--- a/Lecture Slides/VideoLectureSlides/10.1.pptx
+++ b/Lecture Slides/VideoLectureSlides/10.1.pptx
@@ -270,7 +270,7 @@
           <a:p>
             <a:fld id="{1AA1AB63-216F-4D5B-8811-CCB935E98D4A}" type="datetimeFigureOut">
               <a:rPr lang="en-US" smtClean="0"/>
-              <a:t>12/30/2020</a:t>
+              <a:t>8/25/2022</a:t>
             </a:fld>
             <a:endParaRPr lang="en-US" dirty="0"/>
           </a:p>
@@ -8653,8 +8653,8 @@
           </a:p>
         </p:txBody>
       </p:sp>
-      <mc:AlternateContent xmlns:mc="http://schemas.openxmlformats.org/markup-compatibility/2006" xmlns:a14="http://schemas.microsoft.com/office/drawing/2010/main">
-        <mc:Choice Requires="a14">
+      <mc:AlternateContent xmlns:mc="http://schemas.openxmlformats.org/markup-compatibility/2006">
+        <mc:Choice xmlns:a14="http://schemas.microsoft.com/office/drawing/2010/main" Requires="a14">
           <p:sp>
             <p:nvSpPr>
               <p:cNvPr id="3" name="Content Placeholder 2"/>
@@ -8726,13 +8726,13 @@
               <a:p>
                 <a:r>
                   <a:rPr lang="en-US" dirty="0"/>
-                  <a:t>For example the ball and pendulum to the right will have the same work done by gravity.</a:t>
+                  <a:t>For example, the ball and pendulum to the right will have the same work done by gravity.</a:t>
                 </a:r>
               </a:p>
             </p:txBody>
           </p:sp>
         </mc:Choice>
-        <mc:Fallback xmlns="">
+        <mc:Fallback>
           <p:sp>
             <p:nvSpPr>
               <p:cNvPr id="3" name="Content Placeholder 2"/>
@@ -10328,8 +10328,8 @@
           </a:p>
         </p:txBody>
       </p:sp>
-      <mc:AlternateContent xmlns:mc="http://schemas.openxmlformats.org/markup-compatibility/2006">
-        <mc:Choice xmlns:a14="http://schemas.microsoft.com/office/drawing/2010/main" Requires="a14">
+      <mc:AlternateContent xmlns:mc="http://schemas.openxmlformats.org/markup-compatibility/2006" xmlns:a14="http://schemas.microsoft.com/office/drawing/2010/main">
+        <mc:Choice Requires="a14">
           <p:sp>
             <p:nvSpPr>
               <p:cNvPr id="3" name="Content Placeholder 2">
@@ -10536,7 +10536,7 @@
             </p:txBody>
           </p:sp>
         </mc:Choice>
-        <mc:Fallback>
+        <mc:Fallback xmlns="">
           <p:sp>
             <p:nvSpPr>
               <p:cNvPr id="3" name="Content Placeholder 2">
